--- a/images/images.pptx
+++ b/images/images.pptx
@@ -3338,491 +3338,512 @@
           <a:chExt cx="0" cy="0"/>
         </a:xfrm>
       </p:grpSpPr>
-      <p:sp>
-        <p:nvSpPr>
-          <p:cNvPr id="10" name="矩形 9">
-            <a:extLst>
-              <a:ext uri="{FF2B5EF4-FFF2-40B4-BE49-F238E27FC236}">
-                <a16:creationId xmlns:a16="http://schemas.microsoft.com/office/drawing/2014/main" id="{370B4F17-A048-27CC-90DE-80D6FD008CCB}"/>
-              </a:ext>
-            </a:extLst>
-          </p:cNvPr>
-          <p:cNvSpPr/>
+      <p:grpSp>
+        <p:nvGrpSpPr>
+          <p:cNvPr id="21" name="组合 20">
+            <a:extLst>
+              <a:ext uri="{FF2B5EF4-FFF2-40B4-BE49-F238E27FC236}">
+                <a16:creationId xmlns:a16="http://schemas.microsoft.com/office/drawing/2014/main" id="{B6EDB278-531E-DB34-B7F3-8D5F070B5AAC}"/>
+              </a:ext>
+            </a:extLst>
+          </p:cNvPr>
+          <p:cNvGrpSpPr/>
           <p:nvPr/>
-        </p:nvSpPr>
-        <p:spPr>
+        </p:nvGrpSpPr>
+        <p:grpSpPr>
           <a:xfrm>
             <a:off x="329184" y="451104"/>
-            <a:ext cx="1987296" cy="1609344"/>
+            <a:ext cx="4352544" cy="1609344"/>
+            <a:chOff x="329184" y="451104"/>
+            <a:chExt cx="4352544" cy="1609344"/>
           </a:xfrm>
-          <a:prstGeom prst="rect">
-            <a:avLst/>
-          </a:prstGeom>
-          <a:solidFill>
-            <a:schemeClr val="bg1"/>
-          </a:solidFill>
-          <a:ln>
-            <a:noFill/>
-          </a:ln>
-        </p:spPr>
-        <p:style>
-          <a:lnRef idx="2">
-            <a:schemeClr val="accent1">
-              <a:shade val="15000"/>
-            </a:schemeClr>
-          </a:lnRef>
-          <a:fillRef idx="1">
-            <a:schemeClr val="accent1"/>
-          </a:fillRef>
-          <a:effectRef idx="0">
-            <a:schemeClr val="accent1"/>
-          </a:effectRef>
-          <a:fontRef idx="minor">
-            <a:schemeClr val="lt1"/>
-          </a:fontRef>
-        </p:style>
-        <p:txBody>
-          <a:bodyPr rtlCol="0" anchor="ctr"/>
-          <a:lstStyle/>
-          <a:p>
-            <a:pPr algn="ctr"/>
-            <a:endParaRPr kumimoji="1" lang="zh-CN" altLang="en-US"/>
-          </a:p>
-        </p:txBody>
-      </p:sp>
-      <p:sp>
-        <p:nvSpPr>
-          <p:cNvPr id="4" name="圆角矩形 3">
-            <a:extLst>
-              <a:ext uri="{FF2B5EF4-FFF2-40B4-BE49-F238E27FC236}">
-                <a16:creationId xmlns:a16="http://schemas.microsoft.com/office/drawing/2014/main" id="{932F3DA6-0EB2-1092-9992-0D2416E813C2}"/>
-              </a:ext>
-            </a:extLst>
-          </p:cNvPr>
-          <p:cNvSpPr/>
-          <p:nvPr/>
-        </p:nvSpPr>
-        <p:spPr>
-          <a:xfrm>
-            <a:off x="1048512" y="694944"/>
-            <a:ext cx="540000" cy="540000"/>
-          </a:xfrm>
-          <a:prstGeom prst="roundRect">
-            <a:avLst/>
-          </a:prstGeom>
-          <a:solidFill>
-            <a:schemeClr val="bg2">
-              <a:lumMod val="90000"/>
-            </a:schemeClr>
-          </a:solidFill>
-          <a:ln>
+        </p:grpSpPr>
+        <p:sp>
+          <p:nvSpPr>
+            <p:cNvPr id="10" name="矩形 9">
+              <a:extLst>
+                <a:ext uri="{FF2B5EF4-FFF2-40B4-BE49-F238E27FC236}">
+                  <a16:creationId xmlns:a16="http://schemas.microsoft.com/office/drawing/2014/main" id="{370B4F17-A048-27CC-90DE-80D6FD008CCB}"/>
+                </a:ext>
+              </a:extLst>
+            </p:cNvPr>
+            <p:cNvSpPr/>
+            <p:nvPr/>
+          </p:nvSpPr>
+          <p:spPr>
+            <a:xfrm>
+              <a:off x="329184" y="451104"/>
+              <a:ext cx="4352544" cy="1609344"/>
+            </a:xfrm>
+            <a:prstGeom prst="rect">
+              <a:avLst/>
+            </a:prstGeom>
+            <a:solidFill>
+              <a:schemeClr val="bg1"/>
+            </a:solidFill>
+            <a:ln>
+              <a:noFill/>
+            </a:ln>
+          </p:spPr>
+          <p:style>
+            <a:lnRef idx="2">
+              <a:schemeClr val="accent1">
+                <a:shade val="15000"/>
+              </a:schemeClr>
+            </a:lnRef>
+            <a:fillRef idx="1">
+              <a:schemeClr val="accent1"/>
+            </a:fillRef>
+            <a:effectRef idx="0">
+              <a:schemeClr val="accent1"/>
+            </a:effectRef>
+            <a:fontRef idx="minor">
+              <a:schemeClr val="lt1"/>
+            </a:fontRef>
+          </p:style>
+          <p:txBody>
+            <a:bodyPr rtlCol="0" anchor="ctr"/>
+            <a:lstStyle/>
+            <a:p>
+              <a:pPr algn="ctr"/>
+              <a:endParaRPr kumimoji="1" lang="zh-CN" altLang="en-US"/>
+            </a:p>
+          </p:txBody>
+        </p:sp>
+        <p:sp>
+          <p:nvSpPr>
+            <p:cNvPr id="4" name="圆角矩形 3">
+              <a:extLst>
+                <a:ext uri="{FF2B5EF4-FFF2-40B4-BE49-F238E27FC236}">
+                  <a16:creationId xmlns:a16="http://schemas.microsoft.com/office/drawing/2014/main" id="{932F3DA6-0EB2-1092-9992-0D2416E813C2}"/>
+                </a:ext>
+              </a:extLst>
+            </p:cNvPr>
+            <p:cNvSpPr/>
+            <p:nvPr/>
+          </p:nvSpPr>
+          <p:spPr>
+            <a:xfrm>
+              <a:off x="1048512" y="694944"/>
+              <a:ext cx="540000" cy="540000"/>
+            </a:xfrm>
+            <a:prstGeom prst="roundRect">
+              <a:avLst/>
+            </a:prstGeom>
             <a:solidFill>
               <a:schemeClr val="bg2">
-                <a:lumMod val="50000"/>
+                <a:lumMod val="90000"/>
               </a:schemeClr>
             </a:solidFill>
-          </a:ln>
-        </p:spPr>
-        <p:style>
-          <a:lnRef idx="1">
-            <a:schemeClr val="accent1"/>
-          </a:lnRef>
-          <a:fillRef idx="3">
-            <a:schemeClr val="accent1"/>
-          </a:fillRef>
-          <a:effectRef idx="2">
-            <a:schemeClr val="accent1"/>
-          </a:effectRef>
-          <a:fontRef idx="minor">
-            <a:schemeClr val="lt1"/>
-          </a:fontRef>
-        </p:style>
-        <p:txBody>
-          <a:bodyPr rtlCol="0" anchor="ctr"/>
-          <a:lstStyle/>
-          <a:p>
-            <a:pPr algn="ctr"/>
-            <a:r>
-              <a:rPr kumimoji="1" lang="en-US" altLang="zh-CN" sz="2000" b="1" dirty="0">
+            <a:ln>
+              <a:solidFill>
+                <a:schemeClr val="bg2">
+                  <a:lumMod val="50000"/>
+                </a:schemeClr>
+              </a:solidFill>
+            </a:ln>
+          </p:spPr>
+          <p:style>
+            <a:lnRef idx="1">
+              <a:schemeClr val="accent1"/>
+            </a:lnRef>
+            <a:fillRef idx="3">
+              <a:schemeClr val="accent1"/>
+            </a:fillRef>
+            <a:effectRef idx="2">
+              <a:schemeClr val="accent1"/>
+            </a:effectRef>
+            <a:fontRef idx="minor">
+              <a:schemeClr val="lt1"/>
+            </a:fontRef>
+          </p:style>
+          <p:txBody>
+            <a:bodyPr rtlCol="0" anchor="ctr"/>
+            <a:lstStyle/>
+            <a:p>
+              <a:pPr algn="ctr"/>
+              <a:r>
+                <a:rPr kumimoji="1" lang="en-US" altLang="zh-CN" sz="2000" b="1" dirty="0">
+                  <a:solidFill>
+                    <a:schemeClr val="tx1"/>
+                  </a:solidFill>
+                </a:rPr>
+                <a:t>W</a:t>
+              </a:r>
+              <a:endParaRPr kumimoji="1" lang="zh-CN" altLang="en-US" sz="2400" b="1" dirty="0">
                 <a:solidFill>
                   <a:schemeClr val="tx1"/>
                 </a:solidFill>
-              </a:rPr>
-              <a:t>W</a:t>
-            </a:r>
-            <a:endParaRPr kumimoji="1" lang="zh-CN" altLang="en-US" sz="2400" b="1" dirty="0">
-              <a:solidFill>
-                <a:schemeClr val="tx1"/>
-              </a:solidFill>
-            </a:endParaRPr>
-          </a:p>
-        </p:txBody>
-      </p:sp>
-      <p:sp>
-        <p:nvSpPr>
-          <p:cNvPr id="5" name="圆角矩形 4">
-            <a:extLst>
-              <a:ext uri="{FF2B5EF4-FFF2-40B4-BE49-F238E27FC236}">
-                <a16:creationId xmlns:a16="http://schemas.microsoft.com/office/drawing/2014/main" id="{8319E4EE-D3B8-CFA7-A7F6-39A5ABC93D57}"/>
-              </a:ext>
-            </a:extLst>
-          </p:cNvPr>
-          <p:cNvSpPr/>
-          <p:nvPr/>
-        </p:nvSpPr>
-        <p:spPr>
-          <a:xfrm>
-            <a:off x="445776" y="1335024"/>
-            <a:ext cx="540000" cy="540000"/>
-          </a:xfrm>
-          <a:prstGeom prst="roundRect">
-            <a:avLst/>
-          </a:prstGeom>
-          <a:solidFill>
-            <a:schemeClr val="bg2">
-              <a:lumMod val="90000"/>
-            </a:schemeClr>
-          </a:solidFill>
-          <a:ln>
+              </a:endParaRPr>
+            </a:p>
+          </p:txBody>
+        </p:sp>
+        <p:sp>
+          <p:nvSpPr>
+            <p:cNvPr id="5" name="圆角矩形 4">
+              <a:extLst>
+                <a:ext uri="{FF2B5EF4-FFF2-40B4-BE49-F238E27FC236}">
+                  <a16:creationId xmlns:a16="http://schemas.microsoft.com/office/drawing/2014/main" id="{8319E4EE-D3B8-CFA7-A7F6-39A5ABC93D57}"/>
+                </a:ext>
+              </a:extLst>
+            </p:cNvPr>
+            <p:cNvSpPr/>
+            <p:nvPr/>
+          </p:nvSpPr>
+          <p:spPr>
+            <a:xfrm>
+              <a:off x="445776" y="1335024"/>
+              <a:ext cx="540000" cy="540000"/>
+            </a:xfrm>
+            <a:prstGeom prst="roundRect">
+              <a:avLst/>
+            </a:prstGeom>
             <a:solidFill>
               <a:schemeClr val="bg2">
-                <a:lumMod val="50000"/>
+                <a:lumMod val="90000"/>
               </a:schemeClr>
             </a:solidFill>
-          </a:ln>
-        </p:spPr>
-        <p:style>
-          <a:lnRef idx="1">
-            <a:schemeClr val="accent1"/>
-          </a:lnRef>
-          <a:fillRef idx="3">
-            <a:schemeClr val="accent1"/>
-          </a:fillRef>
-          <a:effectRef idx="2">
-            <a:schemeClr val="accent1"/>
-          </a:effectRef>
-          <a:fontRef idx="minor">
-            <a:schemeClr val="lt1"/>
-          </a:fontRef>
-        </p:style>
-        <p:txBody>
-          <a:bodyPr rtlCol="0" anchor="ctr"/>
-          <a:lstStyle/>
-          <a:p>
-            <a:pPr algn="ctr"/>
-            <a:r>
-              <a:rPr kumimoji="1" lang="en-US" altLang="zh-CN" sz="2000" b="1" dirty="0">
+            <a:ln>
+              <a:solidFill>
+                <a:schemeClr val="bg2">
+                  <a:lumMod val="50000"/>
+                </a:schemeClr>
+              </a:solidFill>
+            </a:ln>
+          </p:spPr>
+          <p:style>
+            <a:lnRef idx="1">
+              <a:schemeClr val="accent1"/>
+            </a:lnRef>
+            <a:fillRef idx="3">
+              <a:schemeClr val="accent1"/>
+            </a:fillRef>
+            <a:effectRef idx="2">
+              <a:schemeClr val="accent1"/>
+            </a:effectRef>
+            <a:fontRef idx="minor">
+              <a:schemeClr val="lt1"/>
+            </a:fontRef>
+          </p:style>
+          <p:txBody>
+            <a:bodyPr rtlCol="0" anchor="ctr"/>
+            <a:lstStyle/>
+            <a:p>
+              <a:pPr algn="ctr"/>
+              <a:r>
+                <a:rPr kumimoji="1" lang="en-US" altLang="zh-CN" sz="2000" b="1" dirty="0">
+                  <a:solidFill>
+                    <a:schemeClr val="tx1"/>
+                  </a:solidFill>
+                </a:rPr>
+                <a:t>A</a:t>
+              </a:r>
+              <a:endParaRPr kumimoji="1" lang="zh-CN" altLang="en-US" sz="2400" b="1" dirty="0">
                 <a:solidFill>
                   <a:schemeClr val="tx1"/>
                 </a:solidFill>
-              </a:rPr>
-              <a:t>A</a:t>
-            </a:r>
-            <a:endParaRPr kumimoji="1" lang="zh-CN" altLang="en-US" sz="2400" b="1" dirty="0">
-              <a:solidFill>
-                <a:schemeClr val="tx1"/>
-              </a:solidFill>
-            </a:endParaRPr>
-          </a:p>
-        </p:txBody>
-      </p:sp>
-      <p:sp>
-        <p:nvSpPr>
-          <p:cNvPr id="6" name="圆角矩形 5">
-            <a:extLst>
-              <a:ext uri="{FF2B5EF4-FFF2-40B4-BE49-F238E27FC236}">
-                <a16:creationId xmlns:a16="http://schemas.microsoft.com/office/drawing/2014/main" id="{53F58399-E041-A97B-1088-15CA00B9E392}"/>
-              </a:ext>
-            </a:extLst>
-          </p:cNvPr>
-          <p:cNvSpPr/>
-          <p:nvPr/>
-        </p:nvSpPr>
-        <p:spPr>
-          <a:xfrm>
-            <a:off x="1060704" y="1335024"/>
-            <a:ext cx="540000" cy="540000"/>
-          </a:xfrm>
-          <a:prstGeom prst="roundRect">
-            <a:avLst/>
-          </a:prstGeom>
-          <a:solidFill>
-            <a:schemeClr val="bg2">
-              <a:lumMod val="90000"/>
-            </a:schemeClr>
-          </a:solidFill>
-          <a:ln>
+              </a:endParaRPr>
+            </a:p>
+          </p:txBody>
+        </p:sp>
+        <p:sp>
+          <p:nvSpPr>
+            <p:cNvPr id="6" name="圆角矩形 5">
+              <a:extLst>
+                <a:ext uri="{FF2B5EF4-FFF2-40B4-BE49-F238E27FC236}">
+                  <a16:creationId xmlns:a16="http://schemas.microsoft.com/office/drawing/2014/main" id="{53F58399-E041-A97B-1088-15CA00B9E392}"/>
+                </a:ext>
+              </a:extLst>
+            </p:cNvPr>
+            <p:cNvSpPr/>
+            <p:nvPr/>
+          </p:nvSpPr>
+          <p:spPr>
+            <a:xfrm>
+              <a:off x="1060704" y="1335024"/>
+              <a:ext cx="540000" cy="540000"/>
+            </a:xfrm>
+            <a:prstGeom prst="roundRect">
+              <a:avLst/>
+            </a:prstGeom>
             <a:solidFill>
               <a:schemeClr val="bg2">
-                <a:lumMod val="50000"/>
+                <a:lumMod val="90000"/>
               </a:schemeClr>
             </a:solidFill>
-          </a:ln>
-        </p:spPr>
-        <p:style>
-          <a:lnRef idx="1">
-            <a:schemeClr val="accent1"/>
-          </a:lnRef>
-          <a:fillRef idx="3">
-            <a:schemeClr val="accent1"/>
-          </a:fillRef>
-          <a:effectRef idx="2">
-            <a:schemeClr val="accent1"/>
-          </a:effectRef>
-          <a:fontRef idx="minor">
-            <a:schemeClr val="lt1"/>
-          </a:fontRef>
-        </p:style>
-        <p:txBody>
-          <a:bodyPr rtlCol="0" anchor="ctr"/>
-          <a:lstStyle/>
-          <a:p>
-            <a:pPr algn="ctr"/>
-            <a:r>
-              <a:rPr kumimoji="1" lang="en-US" altLang="zh-CN" sz="2000" b="1" dirty="0">
+            <a:ln>
+              <a:solidFill>
+                <a:schemeClr val="bg2">
+                  <a:lumMod val="50000"/>
+                </a:schemeClr>
+              </a:solidFill>
+            </a:ln>
+          </p:spPr>
+          <p:style>
+            <a:lnRef idx="1">
+              <a:schemeClr val="accent1"/>
+            </a:lnRef>
+            <a:fillRef idx="3">
+              <a:schemeClr val="accent1"/>
+            </a:fillRef>
+            <a:effectRef idx="2">
+              <a:schemeClr val="accent1"/>
+            </a:effectRef>
+            <a:fontRef idx="minor">
+              <a:schemeClr val="lt1"/>
+            </a:fontRef>
+          </p:style>
+          <p:txBody>
+            <a:bodyPr rtlCol="0" anchor="ctr"/>
+            <a:lstStyle/>
+            <a:p>
+              <a:pPr algn="ctr"/>
+              <a:r>
+                <a:rPr kumimoji="1" lang="en-US" altLang="zh-CN" sz="2000" b="1" dirty="0">
+                  <a:solidFill>
+                    <a:schemeClr val="tx1"/>
+                  </a:solidFill>
+                </a:rPr>
+                <a:t>S</a:t>
+              </a:r>
+              <a:endParaRPr kumimoji="1" lang="zh-CN" altLang="en-US" sz="2400" b="1" dirty="0">
                 <a:solidFill>
                   <a:schemeClr val="tx1"/>
                 </a:solidFill>
-              </a:rPr>
-              <a:t>S</a:t>
-            </a:r>
-            <a:endParaRPr kumimoji="1" lang="zh-CN" altLang="en-US" sz="2400" b="1" dirty="0">
-              <a:solidFill>
-                <a:schemeClr val="tx1"/>
-              </a:solidFill>
-            </a:endParaRPr>
-          </a:p>
-        </p:txBody>
-      </p:sp>
-      <p:sp>
-        <p:nvSpPr>
-          <p:cNvPr id="7" name="圆角矩形 6">
-            <a:extLst>
-              <a:ext uri="{FF2B5EF4-FFF2-40B4-BE49-F238E27FC236}">
-                <a16:creationId xmlns:a16="http://schemas.microsoft.com/office/drawing/2014/main" id="{00085C6B-3F09-E562-7DC4-CFD6DCD59CAD}"/>
-              </a:ext>
-            </a:extLst>
-          </p:cNvPr>
-          <p:cNvSpPr/>
-          <p:nvPr/>
-        </p:nvSpPr>
-        <p:spPr>
-          <a:xfrm>
-            <a:off x="1675632" y="1335024"/>
-            <a:ext cx="540000" cy="540000"/>
-          </a:xfrm>
-          <a:prstGeom prst="roundRect">
-            <a:avLst/>
-          </a:prstGeom>
-          <a:solidFill>
-            <a:schemeClr val="bg2">
-              <a:lumMod val="90000"/>
-            </a:schemeClr>
-          </a:solidFill>
-          <a:ln>
+              </a:endParaRPr>
+            </a:p>
+          </p:txBody>
+        </p:sp>
+        <p:sp>
+          <p:nvSpPr>
+            <p:cNvPr id="7" name="圆角矩形 6">
+              <a:extLst>
+                <a:ext uri="{FF2B5EF4-FFF2-40B4-BE49-F238E27FC236}">
+                  <a16:creationId xmlns:a16="http://schemas.microsoft.com/office/drawing/2014/main" id="{00085C6B-3F09-E562-7DC4-CFD6DCD59CAD}"/>
+                </a:ext>
+              </a:extLst>
+            </p:cNvPr>
+            <p:cNvSpPr/>
+            <p:nvPr/>
+          </p:nvSpPr>
+          <p:spPr>
+            <a:xfrm>
+              <a:off x="1675632" y="1335024"/>
+              <a:ext cx="540000" cy="540000"/>
+            </a:xfrm>
+            <a:prstGeom prst="roundRect">
+              <a:avLst/>
+            </a:prstGeom>
             <a:solidFill>
               <a:schemeClr val="bg2">
-                <a:lumMod val="50000"/>
+                <a:lumMod val="90000"/>
               </a:schemeClr>
             </a:solidFill>
-          </a:ln>
-        </p:spPr>
-        <p:style>
-          <a:lnRef idx="1">
-            <a:schemeClr val="accent1"/>
-          </a:lnRef>
-          <a:fillRef idx="3">
-            <a:schemeClr val="accent1"/>
-          </a:fillRef>
-          <a:effectRef idx="2">
-            <a:schemeClr val="accent1"/>
-          </a:effectRef>
-          <a:fontRef idx="minor">
-            <a:schemeClr val="lt1"/>
-          </a:fontRef>
-        </p:style>
-        <p:txBody>
-          <a:bodyPr rtlCol="0" anchor="ctr"/>
-          <a:lstStyle/>
-          <a:p>
-            <a:pPr algn="ctr"/>
-            <a:r>
-              <a:rPr kumimoji="1" lang="en-US" altLang="zh-CN" sz="2000" b="1" dirty="0">
+            <a:ln>
+              <a:solidFill>
+                <a:schemeClr val="bg2">
+                  <a:lumMod val="50000"/>
+                </a:schemeClr>
+              </a:solidFill>
+            </a:ln>
+          </p:spPr>
+          <p:style>
+            <a:lnRef idx="1">
+              <a:schemeClr val="accent1"/>
+            </a:lnRef>
+            <a:fillRef idx="3">
+              <a:schemeClr val="accent1"/>
+            </a:fillRef>
+            <a:effectRef idx="2">
+              <a:schemeClr val="accent1"/>
+            </a:effectRef>
+            <a:fontRef idx="minor">
+              <a:schemeClr val="lt1"/>
+            </a:fontRef>
+          </p:style>
+          <p:txBody>
+            <a:bodyPr rtlCol="0" anchor="ctr"/>
+            <a:lstStyle/>
+            <a:p>
+              <a:pPr algn="ctr"/>
+              <a:r>
+                <a:rPr kumimoji="1" lang="en-US" altLang="zh-CN" sz="2000" b="1" dirty="0">
+                  <a:solidFill>
+                    <a:schemeClr val="tx1"/>
+                  </a:solidFill>
+                </a:rPr>
+                <a:t>D</a:t>
+              </a:r>
+              <a:endParaRPr kumimoji="1" lang="zh-CN" altLang="en-US" sz="2400" b="1" dirty="0">
                 <a:solidFill>
                   <a:schemeClr val="tx1"/>
                 </a:solidFill>
-              </a:rPr>
-              <a:t>D</a:t>
-            </a:r>
-            <a:endParaRPr kumimoji="1" lang="zh-CN" altLang="en-US" sz="2400" b="1" dirty="0">
-              <a:solidFill>
-                <a:schemeClr val="tx1"/>
-              </a:solidFill>
-            </a:endParaRPr>
-          </a:p>
-        </p:txBody>
-      </p:sp>
-      <p:sp>
-        <p:nvSpPr>
-          <p:cNvPr id="9" name="文本框 8">
-            <a:extLst>
-              <a:ext uri="{FF2B5EF4-FFF2-40B4-BE49-F238E27FC236}">
-                <a16:creationId xmlns:a16="http://schemas.microsoft.com/office/drawing/2014/main" id="{C05827AF-7E79-2463-BC2A-01984DE63B8B}"/>
-              </a:ext>
-            </a:extLst>
-          </p:cNvPr>
-          <p:cNvSpPr txBox="1"/>
-          <p:nvPr/>
-        </p:nvSpPr>
-        <p:spPr>
-          <a:xfrm>
-            <a:off x="3048000" y="734859"/>
-            <a:ext cx="6096000" cy="1200329"/>
-          </a:xfrm>
-          <a:prstGeom prst="rect">
-            <a:avLst/>
-          </a:prstGeom>
-          <a:noFill/>
-        </p:spPr>
-        <p:txBody>
-          <a:bodyPr wrap="square">
-            <a:spAutoFit/>
-          </a:bodyPr>
-          <a:lstStyle/>
-          <a:p>
-            <a:r>
-              <a:rPr lang="en" altLang="zh-CN" b="1" i="0" dirty="0">
-                <a:effectLst/>
-                <a:highlight>
-                  <a:srgbClr val="FAFAFA"/>
-                </a:highlight>
-                <a:latin typeface="-apple-system"/>
-              </a:rPr>
-              <a:t>W</a:t>
-            </a:r>
-            <a:r>
-              <a:rPr lang="en" altLang="zh-CN" b="0" i="0" dirty="0">
-                <a:effectLst/>
-                <a:highlight>
-                  <a:srgbClr val="FAFAFA"/>
-                </a:highlight>
-                <a:latin typeface="-apple-system"/>
-              </a:rPr>
-              <a:t>: </a:t>
-            </a:r>
-            <a:r>
-              <a:rPr lang="en" altLang="zh-CN" b="0" i="0" dirty="0" err="1">
-                <a:effectLst/>
-                <a:highlight>
-                  <a:srgbClr val="FAFAFA"/>
-                </a:highlight>
-                <a:latin typeface="-apple-system"/>
-              </a:rPr>
-              <a:t>MoveAhead</a:t>
-            </a:r>
-            <a:br>
-              <a:rPr lang="en" altLang="zh-CN" dirty="0"/>
-            </a:br>
-            <a:r>
-              <a:rPr lang="en" altLang="zh-CN" b="1" i="0" dirty="0">
-                <a:effectLst/>
-                <a:highlight>
-                  <a:srgbClr val="FAFAFA"/>
-                </a:highlight>
-                <a:latin typeface="-apple-system"/>
-              </a:rPr>
-              <a:t>A</a:t>
-            </a:r>
-            <a:r>
-              <a:rPr lang="en" altLang="zh-CN" b="0" i="0" dirty="0">
-                <a:effectLst/>
-                <a:highlight>
-                  <a:srgbClr val="FAFAFA"/>
-                </a:highlight>
-                <a:latin typeface="-apple-system"/>
-              </a:rPr>
-              <a:t>: </a:t>
-            </a:r>
-            <a:r>
-              <a:rPr lang="en" altLang="zh-CN" b="0" i="0" dirty="0" err="1">
-                <a:effectLst/>
-                <a:highlight>
-                  <a:srgbClr val="FAFAFA"/>
-                </a:highlight>
-                <a:latin typeface="-apple-system"/>
-              </a:rPr>
-              <a:t>MoveLeft</a:t>
-            </a:r>
-            <a:br>
-              <a:rPr lang="en" altLang="zh-CN" dirty="0"/>
-            </a:br>
-            <a:r>
-              <a:rPr lang="en" altLang="zh-CN" b="1" i="0" dirty="0">
-                <a:effectLst/>
-                <a:highlight>
-                  <a:srgbClr val="FAFAFA"/>
-                </a:highlight>
-                <a:latin typeface="-apple-system"/>
-              </a:rPr>
-              <a:t>S</a:t>
-            </a:r>
-            <a:r>
-              <a:rPr lang="en" altLang="zh-CN" b="0" i="0" dirty="0">
-                <a:effectLst/>
-                <a:highlight>
-                  <a:srgbClr val="FAFAFA"/>
-                </a:highlight>
-                <a:latin typeface="-apple-system"/>
-              </a:rPr>
-              <a:t>: </a:t>
-            </a:r>
-            <a:r>
-              <a:rPr lang="en" altLang="zh-CN" b="0" i="0" dirty="0" err="1">
-                <a:effectLst/>
-                <a:highlight>
-                  <a:srgbClr val="FAFAFA"/>
-                </a:highlight>
-                <a:latin typeface="-apple-system"/>
-              </a:rPr>
-              <a:t>MoveBack</a:t>
-            </a:r>
-            <a:br>
-              <a:rPr lang="en" altLang="zh-CN" dirty="0"/>
-            </a:br>
-            <a:r>
-              <a:rPr lang="en" altLang="zh-CN" b="1" i="0" dirty="0">
-                <a:effectLst/>
-                <a:highlight>
-                  <a:srgbClr val="FAFAFA"/>
-                </a:highlight>
-                <a:latin typeface="-apple-system"/>
-              </a:rPr>
-              <a:t>D</a:t>
-            </a:r>
-            <a:r>
-              <a:rPr lang="en" altLang="zh-CN" b="0" i="0" dirty="0">
-                <a:effectLst/>
-                <a:highlight>
-                  <a:srgbClr val="FAFAFA"/>
-                </a:highlight>
-                <a:latin typeface="-apple-system"/>
-              </a:rPr>
-              <a:t>: </a:t>
-            </a:r>
-            <a:r>
-              <a:rPr lang="en" altLang="zh-CN" b="0" i="0" dirty="0" err="1">
-                <a:effectLst/>
-                <a:highlight>
-                  <a:srgbClr val="FAFAFA"/>
-                </a:highlight>
-                <a:latin typeface="-apple-system"/>
-              </a:rPr>
-              <a:t>MoveRight</a:t>
-            </a:r>
-            <a:endParaRPr lang="zh-CN" altLang="en-US" dirty="0"/>
-          </a:p>
-        </p:txBody>
-      </p:sp>
+              </a:endParaRPr>
+            </a:p>
+          </p:txBody>
+        </p:sp>
+        <p:sp>
+          <p:nvSpPr>
+            <p:cNvPr id="9" name="文本框 8">
+              <a:extLst>
+                <a:ext uri="{FF2B5EF4-FFF2-40B4-BE49-F238E27FC236}">
+                  <a16:creationId xmlns:a16="http://schemas.microsoft.com/office/drawing/2014/main" id="{C05827AF-7E79-2463-BC2A-01984DE63B8B}"/>
+                </a:ext>
+              </a:extLst>
+            </p:cNvPr>
+            <p:cNvSpPr txBox="1"/>
+            <p:nvPr/>
+          </p:nvSpPr>
+          <p:spPr>
+            <a:xfrm>
+              <a:off x="3048000" y="734859"/>
+              <a:ext cx="1633728" cy="1200329"/>
+            </a:xfrm>
+            <a:prstGeom prst="rect">
+              <a:avLst/>
+            </a:prstGeom>
+            <a:noFill/>
+          </p:spPr>
+          <p:txBody>
+            <a:bodyPr wrap="square">
+              <a:spAutoFit/>
+            </a:bodyPr>
+            <a:lstStyle/>
+            <a:p>
+              <a:r>
+                <a:rPr lang="en" altLang="zh-CN" b="1" i="0" dirty="0">
+                  <a:effectLst/>
+                  <a:highlight>
+                    <a:srgbClr val="FAFAFA"/>
+                  </a:highlight>
+                  <a:latin typeface="-apple-system"/>
+                </a:rPr>
+                <a:t>W</a:t>
+              </a:r>
+              <a:r>
+                <a:rPr lang="en" altLang="zh-CN" b="0" i="0" dirty="0">
+                  <a:effectLst/>
+                  <a:highlight>
+                    <a:srgbClr val="FAFAFA"/>
+                  </a:highlight>
+                  <a:latin typeface="-apple-system"/>
+                </a:rPr>
+                <a:t>: </a:t>
+              </a:r>
+              <a:r>
+                <a:rPr lang="en" altLang="zh-CN" b="0" i="0" dirty="0" err="1">
+                  <a:effectLst/>
+                  <a:highlight>
+                    <a:srgbClr val="FAFAFA"/>
+                  </a:highlight>
+                  <a:latin typeface="-apple-system"/>
+                </a:rPr>
+                <a:t>MoveAhead</a:t>
+              </a:r>
+              <a:br>
+                <a:rPr lang="en" altLang="zh-CN" dirty="0"/>
+              </a:br>
+              <a:r>
+                <a:rPr lang="en" altLang="zh-CN" b="1" i="0" dirty="0">
+                  <a:effectLst/>
+                  <a:highlight>
+                    <a:srgbClr val="FAFAFA"/>
+                  </a:highlight>
+                  <a:latin typeface="-apple-system"/>
+                </a:rPr>
+                <a:t>A</a:t>
+              </a:r>
+              <a:r>
+                <a:rPr lang="en" altLang="zh-CN" b="0" i="0" dirty="0">
+                  <a:effectLst/>
+                  <a:highlight>
+                    <a:srgbClr val="FAFAFA"/>
+                  </a:highlight>
+                  <a:latin typeface="-apple-system"/>
+                </a:rPr>
+                <a:t>: </a:t>
+              </a:r>
+              <a:r>
+                <a:rPr lang="en" altLang="zh-CN" b="0" i="0" dirty="0" err="1">
+                  <a:effectLst/>
+                  <a:highlight>
+                    <a:srgbClr val="FAFAFA"/>
+                  </a:highlight>
+                  <a:latin typeface="-apple-system"/>
+                </a:rPr>
+                <a:t>MoveLeft</a:t>
+              </a:r>
+              <a:br>
+                <a:rPr lang="en" altLang="zh-CN" dirty="0"/>
+              </a:br>
+              <a:r>
+                <a:rPr lang="en" altLang="zh-CN" b="1" i="0" dirty="0">
+                  <a:effectLst/>
+                  <a:highlight>
+                    <a:srgbClr val="FAFAFA"/>
+                  </a:highlight>
+                  <a:latin typeface="-apple-system"/>
+                </a:rPr>
+                <a:t>S</a:t>
+              </a:r>
+              <a:r>
+                <a:rPr lang="en" altLang="zh-CN" b="0" i="0" dirty="0">
+                  <a:effectLst/>
+                  <a:highlight>
+                    <a:srgbClr val="FAFAFA"/>
+                  </a:highlight>
+                  <a:latin typeface="-apple-system"/>
+                </a:rPr>
+                <a:t>: </a:t>
+              </a:r>
+              <a:r>
+                <a:rPr lang="en" altLang="zh-CN" b="0" i="0" dirty="0" err="1">
+                  <a:effectLst/>
+                  <a:highlight>
+                    <a:srgbClr val="FAFAFA"/>
+                  </a:highlight>
+                  <a:latin typeface="-apple-system"/>
+                </a:rPr>
+                <a:t>MoveBack</a:t>
+              </a:r>
+              <a:br>
+                <a:rPr lang="en" altLang="zh-CN" dirty="0"/>
+              </a:br>
+              <a:r>
+                <a:rPr lang="en" altLang="zh-CN" b="1" i="0" dirty="0">
+                  <a:effectLst/>
+                  <a:highlight>
+                    <a:srgbClr val="FAFAFA"/>
+                  </a:highlight>
+                  <a:latin typeface="-apple-system"/>
+                </a:rPr>
+                <a:t>D</a:t>
+              </a:r>
+              <a:r>
+                <a:rPr lang="en" altLang="zh-CN" b="0" i="0" dirty="0">
+                  <a:effectLst/>
+                  <a:highlight>
+                    <a:srgbClr val="FAFAFA"/>
+                  </a:highlight>
+                  <a:latin typeface="-apple-system"/>
+                </a:rPr>
+                <a:t>: </a:t>
+              </a:r>
+              <a:r>
+                <a:rPr lang="en" altLang="zh-CN" b="0" i="0" dirty="0" err="1">
+                  <a:effectLst/>
+                  <a:highlight>
+                    <a:srgbClr val="FAFAFA"/>
+                  </a:highlight>
+                  <a:latin typeface="-apple-system"/>
+                </a:rPr>
+                <a:t>MoveRight</a:t>
+              </a:r>
+              <a:endParaRPr lang="zh-CN" altLang="en-US" dirty="0"/>
+            </a:p>
+          </p:txBody>
+        </p:sp>
+      </p:grpSp>
       <p:sp>
         <p:nvSpPr>
           <p:cNvPr id="11" name="矩形 10">
@@ -6632,14 +6653,13 @@
           </a:p>
           <a:p>
             <a:r>
-              <a:rPr lang="en" altLang="zh-CN" b="1" i="0" dirty="0">
-                <a:effectLst/>
+              <a:rPr lang="en" altLang="zh-CN" b="1" dirty="0">
                 <a:highlight>
                   <a:srgbClr val="FAFAFA"/>
                 </a:highlight>
                 <a:latin typeface="-apple-system"/>
               </a:rPr>
-              <a:t>Q</a:t>
+              <a:t>R</a:t>
             </a:r>
             <a:r>
               <a:rPr lang="en" altLang="zh-CN" b="0" i="0" dirty="0">
@@ -6659,7 +6679,7 @@
                 </a:highlight>
                 <a:latin typeface="-apple-system"/>
               </a:rPr>
-              <a:t>RotateLeft</a:t>
+              <a:t>LookUp</a:t>
             </a:r>
             <a:endParaRPr lang="en" altLang="zh-CN" b="0" i="0" dirty="0">
               <a:effectLst/>
@@ -6671,14 +6691,13 @@
           </a:p>
           <a:p>
             <a:r>
-              <a:rPr lang="en" altLang="zh-CN" b="1" i="0" dirty="0">
-                <a:effectLst/>
+              <a:rPr lang="en" altLang="zh-CN" b="1" dirty="0">
                 <a:highlight>
                   <a:srgbClr val="FAFAFA"/>
                 </a:highlight>
                 <a:latin typeface="-apple-system"/>
               </a:rPr>
-              <a:t>E</a:t>
+              <a:t>F</a:t>
             </a:r>
             <a:r>
               <a:rPr lang="en" altLang="zh-CN" b="0" i="0" dirty="0">
@@ -6698,7 +6717,7 @@
                 </a:highlight>
                 <a:latin typeface="-apple-system"/>
               </a:rPr>
-              <a:t>RotateRight</a:t>
+              <a:t>LookDown</a:t>
             </a:r>
             <a:endParaRPr lang="en" altLang="zh-CN" b="0" i="0" dirty="0">
               <a:effectLst/>
@@ -6725,7 +6744,7 @@
         <p:spPr>
           <a:xfrm>
             <a:off x="9321673" y="674695"/>
-            <a:ext cx="1926094" cy="3693319"/>
+            <a:ext cx="1926094" cy="923330"/>
           </a:xfrm>
           <a:prstGeom prst="rect">
             <a:avLst/>
@@ -6739,252 +6758,16 @@
           <a:lstStyle/>
           <a:p>
             <a:r>
-              <a:rPr lang="en" altLang="zh-CN" b="1" i="0" dirty="0">
-                <a:solidFill>
-                  <a:schemeClr val="tx2">
-                    <a:lumMod val="75000"/>
-                    <a:lumOff val="25000"/>
-                  </a:schemeClr>
-                </a:solidFill>
+              <a:rPr lang="en" altLang="zh-CN" b="1" i="0" dirty="0" err="1">
                 <a:effectLst/>
                 <a:highlight>
                   <a:srgbClr val="FAFAFA"/>
                 </a:highlight>
                 <a:latin typeface="-apple-system"/>
               </a:rPr>
-              <a:t>Walk</a:t>
-            </a:r>
-          </a:p>
-          <a:p>
-            <a:r>
-              <a:rPr lang="en" altLang="zh-CN" b="1" i="0" dirty="0">
-                <a:solidFill>
-                  <a:schemeClr val="tx2">
-                    <a:lumMod val="75000"/>
-                    <a:lumOff val="25000"/>
-                  </a:schemeClr>
-                </a:solidFill>
-                <a:effectLst/>
-                <a:highlight>
-                  <a:srgbClr val="FAFAFA"/>
-                </a:highlight>
-                <a:latin typeface="-apple-system"/>
-              </a:rPr>
-              <a:t>W</a:t>
-            </a:r>
-            <a:r>
-              <a:rPr lang="en" altLang="zh-CN" b="0" i="0" dirty="0">
-                <a:solidFill>
-                  <a:schemeClr val="tx2">
-                    <a:lumMod val="75000"/>
-                    <a:lumOff val="25000"/>
-                  </a:schemeClr>
-                </a:solidFill>
-                <a:effectLst/>
-                <a:highlight>
-                  <a:srgbClr val="FAFAFA"/>
-                </a:highlight>
-                <a:latin typeface="-apple-system"/>
-              </a:rPr>
-              <a:t>: </a:t>
-            </a:r>
-            <a:r>
-              <a:rPr lang="en" altLang="zh-CN" b="0" i="0" dirty="0" err="1">
-                <a:solidFill>
-                  <a:schemeClr val="tx2">
-                    <a:lumMod val="75000"/>
-                    <a:lumOff val="25000"/>
-                  </a:schemeClr>
-                </a:solidFill>
-                <a:effectLst/>
-                <a:highlight>
-                  <a:srgbClr val="FAFAFA"/>
-                </a:highlight>
-                <a:latin typeface="-apple-system"/>
-              </a:rPr>
-              <a:t>MoveAhead</a:t>
-            </a:r>
-            <a:br>
-              <a:rPr lang="en" altLang="zh-CN" dirty="0">
-                <a:solidFill>
-                  <a:schemeClr val="tx2">
-                    <a:lumMod val="75000"/>
-                    <a:lumOff val="25000"/>
-                  </a:schemeClr>
-                </a:solidFill>
-              </a:rPr>
-            </a:br>
-            <a:r>
-              <a:rPr lang="en" altLang="zh-CN" b="1" i="0" dirty="0">
-                <a:solidFill>
-                  <a:schemeClr val="tx2">
-                    <a:lumMod val="75000"/>
-                    <a:lumOff val="25000"/>
-                  </a:schemeClr>
-                </a:solidFill>
-                <a:effectLst/>
-                <a:highlight>
-                  <a:srgbClr val="FAFAFA"/>
-                </a:highlight>
-                <a:latin typeface="-apple-system"/>
-              </a:rPr>
-              <a:t>A</a:t>
-            </a:r>
-            <a:r>
-              <a:rPr lang="en" altLang="zh-CN" b="0" i="0" dirty="0">
-                <a:solidFill>
-                  <a:schemeClr val="tx2">
-                    <a:lumMod val="75000"/>
-                    <a:lumOff val="25000"/>
-                  </a:schemeClr>
-                </a:solidFill>
-                <a:effectLst/>
-                <a:highlight>
-                  <a:srgbClr val="FAFAFA"/>
-                </a:highlight>
-                <a:latin typeface="-apple-system"/>
-              </a:rPr>
-              <a:t>: </a:t>
-            </a:r>
-            <a:r>
-              <a:rPr lang="en" altLang="zh-CN" b="0" i="0" dirty="0" err="1">
-                <a:solidFill>
-                  <a:schemeClr val="tx2">
-                    <a:lumMod val="75000"/>
-                    <a:lumOff val="25000"/>
-                  </a:schemeClr>
-                </a:solidFill>
-                <a:effectLst/>
-                <a:highlight>
-                  <a:srgbClr val="FAFAFA"/>
-                </a:highlight>
-                <a:latin typeface="-apple-system"/>
-              </a:rPr>
-              <a:t>MoveLeft</a:t>
-            </a:r>
-            <a:br>
-              <a:rPr lang="en" altLang="zh-CN" dirty="0">
-                <a:solidFill>
-                  <a:schemeClr val="tx2">
-                    <a:lumMod val="75000"/>
-                    <a:lumOff val="25000"/>
-                  </a:schemeClr>
-                </a:solidFill>
-              </a:rPr>
-            </a:br>
-            <a:r>
-              <a:rPr lang="en" altLang="zh-CN" b="1" i="0" dirty="0">
-                <a:solidFill>
-                  <a:schemeClr val="tx2">
-                    <a:lumMod val="75000"/>
-                    <a:lumOff val="25000"/>
-                  </a:schemeClr>
-                </a:solidFill>
-                <a:effectLst/>
-                <a:highlight>
-                  <a:srgbClr val="FAFAFA"/>
-                </a:highlight>
-                <a:latin typeface="-apple-system"/>
-              </a:rPr>
-              <a:t>S</a:t>
-            </a:r>
-            <a:r>
-              <a:rPr lang="en" altLang="zh-CN" b="0" i="0" dirty="0">
-                <a:solidFill>
-                  <a:schemeClr val="tx2">
-                    <a:lumMod val="75000"/>
-                    <a:lumOff val="25000"/>
-                  </a:schemeClr>
-                </a:solidFill>
-                <a:effectLst/>
-                <a:highlight>
-                  <a:srgbClr val="FAFAFA"/>
-                </a:highlight>
-                <a:latin typeface="-apple-system"/>
-              </a:rPr>
-              <a:t>: </a:t>
-            </a:r>
-            <a:r>
-              <a:rPr lang="en" altLang="zh-CN" b="0" i="0" dirty="0" err="1">
-                <a:solidFill>
-                  <a:schemeClr val="tx2">
-                    <a:lumMod val="75000"/>
-                    <a:lumOff val="25000"/>
-                  </a:schemeClr>
-                </a:solidFill>
-                <a:effectLst/>
-                <a:highlight>
-                  <a:srgbClr val="FAFAFA"/>
-                </a:highlight>
-                <a:latin typeface="-apple-system"/>
-              </a:rPr>
-              <a:t>MoveBack</a:t>
-            </a:r>
-            <a:br>
-              <a:rPr lang="en" altLang="zh-CN" dirty="0">
-                <a:solidFill>
-                  <a:schemeClr val="tx2">
-                    <a:lumMod val="75000"/>
-                    <a:lumOff val="25000"/>
-                  </a:schemeClr>
-                </a:solidFill>
-              </a:rPr>
-            </a:br>
-            <a:r>
-              <a:rPr lang="en" altLang="zh-CN" b="1" i="0" dirty="0">
-                <a:solidFill>
-                  <a:schemeClr val="tx2">
-                    <a:lumMod val="75000"/>
-                    <a:lumOff val="25000"/>
-                  </a:schemeClr>
-                </a:solidFill>
-                <a:effectLst/>
-                <a:highlight>
-                  <a:srgbClr val="FAFAFA"/>
-                </a:highlight>
-                <a:latin typeface="-apple-system"/>
-              </a:rPr>
-              <a:t>D</a:t>
-            </a:r>
-            <a:r>
-              <a:rPr lang="en" altLang="zh-CN" b="0" i="0" dirty="0">
-                <a:solidFill>
-                  <a:schemeClr val="tx2">
-                    <a:lumMod val="75000"/>
-                    <a:lumOff val="25000"/>
-                  </a:schemeClr>
-                </a:solidFill>
-                <a:effectLst/>
-                <a:highlight>
-                  <a:srgbClr val="FAFAFA"/>
-                </a:highlight>
-                <a:latin typeface="-apple-system"/>
-              </a:rPr>
-              <a:t>: </a:t>
-            </a:r>
-            <a:r>
-              <a:rPr lang="en" altLang="zh-CN" b="0" i="0" dirty="0" err="1">
-                <a:solidFill>
-                  <a:schemeClr val="tx2">
-                    <a:lumMod val="75000"/>
-                    <a:lumOff val="25000"/>
-                  </a:schemeClr>
-                </a:solidFill>
-                <a:effectLst/>
-                <a:highlight>
-                  <a:srgbClr val="FAFAFA"/>
-                </a:highlight>
-                <a:latin typeface="-apple-system"/>
-              </a:rPr>
-              <a:t>MoveRight</a:t>
-            </a:r>
-            <a:endParaRPr lang="en" altLang="zh-CN" b="0" i="0" dirty="0">
-              <a:solidFill>
-                <a:schemeClr val="tx2">
-                  <a:lumMod val="75000"/>
-                  <a:lumOff val="25000"/>
-                </a:schemeClr>
-              </a:solidFill>
+              <a:t>Pick&amp;Put</a:t>
+            </a:r>
+            <a:endParaRPr lang="en" altLang="zh-CN" b="1" i="0" dirty="0">
               <a:effectLst/>
               <a:highlight>
                 <a:srgbClr val="FAFAFA"/>
@@ -6993,6 +6776,148 @@
             </a:endParaRPr>
           </a:p>
           <a:p>
+            <a:r>
+              <a:rPr lang="en" altLang="zh-CN" b="1" dirty="0">
+                <a:highlight>
+                  <a:srgbClr val="FAFAFA"/>
+                </a:highlight>
+                <a:latin typeface="-apple-system"/>
+              </a:rPr>
+              <a:t>Z</a:t>
+            </a:r>
+            <a:r>
+              <a:rPr lang="en" altLang="zh-CN" b="0" i="0" dirty="0">
+                <a:effectLst/>
+                <a:highlight>
+                  <a:srgbClr val="FAFAFA"/>
+                </a:highlight>
+                <a:latin typeface="-apple-system"/>
+              </a:rPr>
+              <a:t>: </a:t>
+            </a:r>
+            <a:r>
+              <a:rPr lang="en" altLang="zh-CN" b="0" i="0" dirty="0" err="1">
+                <a:effectLst/>
+                <a:highlight>
+                  <a:srgbClr val="FAFAFA"/>
+                </a:highlight>
+                <a:latin typeface="-apple-system"/>
+              </a:rPr>
+              <a:t>PickupObject</a:t>
+            </a:r>
+            <a:br>
+              <a:rPr lang="en" altLang="zh-CN" dirty="0"/>
+            </a:br>
+            <a:r>
+              <a:rPr lang="en" altLang="zh-CN" b="1" dirty="0">
+                <a:highlight>
+                  <a:srgbClr val="FAFAFA"/>
+                </a:highlight>
+                <a:latin typeface="-apple-system"/>
+              </a:rPr>
+              <a:t>X</a:t>
+            </a:r>
+            <a:r>
+              <a:rPr lang="en" altLang="zh-CN" b="0" i="0" dirty="0">
+                <a:effectLst/>
+                <a:highlight>
+                  <a:srgbClr val="FAFAFA"/>
+                </a:highlight>
+                <a:latin typeface="-apple-system"/>
+              </a:rPr>
+              <a:t>: </a:t>
+            </a:r>
+            <a:r>
+              <a:rPr lang="en" altLang="zh-CN" b="0" i="0" dirty="0" err="1">
+                <a:effectLst/>
+                <a:highlight>
+                  <a:srgbClr val="FAFAFA"/>
+                </a:highlight>
+                <a:latin typeface="-apple-system"/>
+              </a:rPr>
+              <a:t>PutObject</a:t>
+            </a:r>
+            <a:endParaRPr lang="zh-CN" altLang="en-US" dirty="0"/>
+          </a:p>
+        </p:txBody>
+      </p:sp>
+      <p:sp>
+        <p:nvSpPr>
+          <p:cNvPr id="39" name="文本框 38">
+            <a:extLst>
+              <a:ext uri="{FF2B5EF4-FFF2-40B4-BE49-F238E27FC236}">
+                <a16:creationId xmlns:a16="http://schemas.microsoft.com/office/drawing/2014/main" id="{DCE1E33F-5C3A-37A9-9F03-107E498E6B6F}"/>
+              </a:ext>
+            </a:extLst>
+          </p:cNvPr>
+          <p:cNvSpPr txBox="1"/>
+          <p:nvPr/>
+        </p:nvSpPr>
+        <p:spPr>
+          <a:xfrm>
+            <a:off x="9317307" y="1875024"/>
+            <a:ext cx="1926094" cy="923330"/>
+          </a:xfrm>
+          <a:prstGeom prst="rect">
+            <a:avLst/>
+          </a:prstGeom>
+          <a:noFill/>
+        </p:spPr>
+        <p:txBody>
+          <a:bodyPr wrap="square">
+            <a:spAutoFit/>
+          </a:bodyPr>
+          <a:lstStyle/>
+          <a:p>
+            <a:r>
+              <a:rPr lang="en" altLang="zh-CN" b="1" i="0" dirty="0" err="1">
+                <a:effectLst/>
+                <a:highlight>
+                  <a:srgbClr val="FAFAFA"/>
+                </a:highlight>
+                <a:latin typeface="-apple-system"/>
+              </a:rPr>
+              <a:t>Open&amp;Close</a:t>
+            </a:r>
+            <a:endParaRPr lang="en" altLang="zh-CN" b="1" i="0" dirty="0">
+              <a:effectLst/>
+              <a:highlight>
+                <a:srgbClr val="FAFAFA"/>
+              </a:highlight>
+              <a:latin typeface="-apple-system"/>
+            </a:endParaRPr>
+          </a:p>
+          <a:p>
+            <a:r>
+              <a:rPr lang="en" altLang="zh-CN" b="1" i="0" dirty="0">
+                <a:effectLst/>
+                <a:highlight>
+                  <a:srgbClr val="FAFAFA"/>
+                </a:highlight>
+                <a:latin typeface="-apple-system"/>
+              </a:rPr>
+              <a:t>C</a:t>
+            </a:r>
+            <a:r>
+              <a:rPr lang="en" altLang="zh-CN" b="0" i="0" dirty="0">
+                <a:effectLst/>
+                <a:highlight>
+                  <a:srgbClr val="FAFAFA"/>
+                </a:highlight>
+                <a:latin typeface="-apple-system"/>
+              </a:rPr>
+              <a:t>: </a:t>
+            </a:r>
+            <a:r>
+              <a:rPr lang="en" altLang="zh-CN" b="0" i="0" dirty="0" err="1">
+                <a:effectLst/>
+                <a:highlight>
+                  <a:srgbClr val="FAFAFA"/>
+                </a:highlight>
+                <a:latin typeface="-apple-system"/>
+              </a:rPr>
+              <a:t>OpenObject</a:t>
+            </a:r>
             <a:endParaRPr lang="en" altLang="zh-CN" b="0" i="0" dirty="0">
               <a:effectLst/>
               <a:highlight>
@@ -7003,25 +6928,6 @@
           </a:p>
           <a:p>
             <a:r>
-              <a:rPr lang="en" altLang="zh-CN" b="1" i="0" dirty="0" err="1">
-                <a:effectLst/>
-                <a:highlight>
-                  <a:srgbClr val="FAFAFA"/>
-                </a:highlight>
-                <a:latin typeface="-apple-system"/>
-              </a:rPr>
-              <a:t>LookAround</a:t>
-            </a:r>
-            <a:endParaRPr lang="en" altLang="zh-CN" b="1" i="0" dirty="0">
-              <a:effectLst/>
-              <a:highlight>
-                <a:srgbClr val="FAFAFA"/>
-              </a:highlight>
-              <a:latin typeface="-apple-system"/>
-            </a:endParaRPr>
-          </a:p>
-          <a:p>
-            <a:r>
               <a:rPr lang="en" altLang="zh-CN" b="1" i="0" dirty="0">
                 <a:effectLst/>
                 <a:highlight>
@@ -7029,7 +6935,7 @@
                 </a:highlight>
                 <a:latin typeface="-apple-system"/>
               </a:rPr>
-              <a:t>Q</a:t>
+              <a:t>V</a:t>
             </a:r>
             <a:r>
               <a:rPr lang="en" altLang="zh-CN" b="0" i="0" dirty="0">
@@ -7049,7 +6955,7 @@
                 </a:highlight>
                 <a:latin typeface="-apple-system"/>
               </a:rPr>
-              <a:t>RotateLeft</a:t>
+              <a:t>CloseObject</a:t>
             </a:r>
             <a:endParaRPr lang="en" altLang="zh-CN" b="0" i="0" dirty="0">
               <a:effectLst/>
@@ -7059,6 +6965,35 @@
               <a:latin typeface="-apple-system"/>
             </a:endParaRPr>
           </a:p>
+        </p:txBody>
+      </p:sp>
+      <p:sp>
+        <p:nvSpPr>
+          <p:cNvPr id="40" name="文本框 39">
+            <a:extLst>
+              <a:ext uri="{FF2B5EF4-FFF2-40B4-BE49-F238E27FC236}">
+                <a16:creationId xmlns:a16="http://schemas.microsoft.com/office/drawing/2014/main" id="{6F577975-C0D4-608F-8A0D-94C7D7CCF023}"/>
+              </a:ext>
+            </a:extLst>
+          </p:cNvPr>
+          <p:cNvSpPr txBox="1"/>
+          <p:nvPr/>
+        </p:nvSpPr>
+        <p:spPr>
+          <a:xfrm>
+            <a:off x="9317306" y="3075353"/>
+            <a:ext cx="2143751" cy="923330"/>
+          </a:xfrm>
+          <a:prstGeom prst="rect">
+            <a:avLst/>
+          </a:prstGeom>
+          <a:noFill/>
+        </p:spPr>
+        <p:txBody>
+          <a:bodyPr wrap="square">
+            <a:spAutoFit/>
+          </a:bodyPr>
+          <a:lstStyle/>
           <a:p>
             <a:r>
               <a:rPr lang="en" altLang="zh-CN" b="1" i="0" dirty="0">
@@ -7068,7 +7003,18 @@
                 </a:highlight>
                 <a:latin typeface="-apple-system"/>
               </a:rPr>
-              <a:t>E</a:t>
+              <a:t>Toggle</a:t>
+            </a:r>
+          </a:p>
+          <a:p>
+            <a:r>
+              <a:rPr lang="en" altLang="zh-CN" b="1" dirty="0">
+                <a:highlight>
+                  <a:srgbClr val="FAFAFA"/>
+                </a:highlight>
+                <a:latin typeface="-apple-system"/>
+              </a:rPr>
+              <a:t>B</a:t>
             </a:r>
             <a:r>
               <a:rPr lang="en" altLang="zh-CN" b="0" i="0" dirty="0">
@@ -7088,7 +7034,7 @@
                 </a:highlight>
                 <a:latin typeface="-apple-system"/>
               </a:rPr>
-              <a:t>RotateRight</a:t>
+              <a:t>ToggleObjectOn</a:t>
             </a:r>
             <a:endParaRPr lang="en" altLang="zh-CN" b="0" i="0" dirty="0">
               <a:effectLst/>
@@ -7099,6 +7045,35 @@
             </a:endParaRPr>
           </a:p>
           <a:p>
+            <a:r>
+              <a:rPr lang="en" altLang="zh-CN" b="1" dirty="0">
+                <a:highlight>
+                  <a:srgbClr val="FAFAFA"/>
+                </a:highlight>
+                <a:latin typeface="-apple-system"/>
+              </a:rPr>
+              <a:t>N</a:t>
+            </a:r>
+            <a:r>
+              <a:rPr lang="en" altLang="zh-CN" b="0" i="0" dirty="0">
+                <a:effectLst/>
+                <a:highlight>
+                  <a:srgbClr val="FAFAFA"/>
+                </a:highlight>
+                <a:latin typeface="-apple-system"/>
+              </a:rPr>
+              <a:t>: </a:t>
+            </a:r>
+            <a:r>
+              <a:rPr lang="en" altLang="zh-CN" b="0" i="0" dirty="0" err="1">
+                <a:effectLst/>
+                <a:highlight>
+                  <a:srgbClr val="FAFAFA"/>
+                </a:highlight>
+                <a:latin typeface="-apple-system"/>
+              </a:rPr>
+              <a:t>ToggleObjectOff</a:t>
+            </a:r>
             <a:endParaRPr lang="en" altLang="zh-CN" b="0" i="0" dirty="0">
               <a:effectLst/>
               <a:highlight>
@@ -7107,17 +7082,35 @@
               <a:latin typeface="-apple-system"/>
             </a:endParaRPr>
           </a:p>
-          <a:p>
-            <a:r>
-              <a:rPr lang="en" altLang="zh-CN" b="1" dirty="0">
-                <a:highlight>
-                  <a:srgbClr val="FAFAFA"/>
-                </a:highlight>
-                <a:latin typeface="-apple-system"/>
-              </a:rPr>
-              <a:t>Pitching</a:t>
-            </a:r>
-          </a:p>
+        </p:txBody>
+      </p:sp>
+      <p:sp>
+        <p:nvSpPr>
+          <p:cNvPr id="41" name="文本框 40">
+            <a:extLst>
+              <a:ext uri="{FF2B5EF4-FFF2-40B4-BE49-F238E27FC236}">
+                <a16:creationId xmlns:a16="http://schemas.microsoft.com/office/drawing/2014/main" id="{F9C2ACF2-EE73-F999-E3E0-E3658B585042}"/>
+              </a:ext>
+            </a:extLst>
+          </p:cNvPr>
+          <p:cNvSpPr txBox="1"/>
+          <p:nvPr/>
+        </p:nvSpPr>
+        <p:spPr>
+          <a:xfrm>
+            <a:off x="9317305" y="4244909"/>
+            <a:ext cx="2143751" cy="646331"/>
+          </a:xfrm>
+          <a:prstGeom prst="rect">
+            <a:avLst/>
+          </a:prstGeom>
+          <a:noFill/>
+        </p:spPr>
+        <p:txBody>
+          <a:bodyPr wrap="square">
+            <a:spAutoFit/>
+          </a:bodyPr>
+          <a:lstStyle/>
           <a:p>
             <a:r>
               <a:rPr lang="en" altLang="zh-CN" b="1" i="0" dirty="0">
@@ -7127,7 +7120,19 @@
                 </a:highlight>
                 <a:latin typeface="-apple-system"/>
               </a:rPr>
-              <a:t>Q</a:t>
+              <a:t>Slice</a:t>
+            </a:r>
+          </a:p>
+          <a:p>
+            <a:r>
+              <a:rPr lang="en" altLang="zh-CN" b="1" i="0" dirty="0">
+                <a:effectLst/>
+                <a:highlight>
+                  <a:srgbClr val="FAFAFA"/>
+                </a:highlight>
+                <a:latin typeface="-apple-system"/>
+              </a:rPr>
+              <a:t>M</a:t>
             </a:r>
             <a:r>
               <a:rPr lang="en" altLang="zh-CN" b="0" i="0" dirty="0">
@@ -7147,46 +7152,7 @@
                 </a:highlight>
                 <a:latin typeface="-apple-system"/>
               </a:rPr>
-              <a:t>RotateLeft</a:t>
-            </a:r>
-            <a:endParaRPr lang="en" altLang="zh-CN" b="0" i="0" dirty="0">
-              <a:effectLst/>
-              <a:highlight>
-                <a:srgbClr val="FAFAFA"/>
-              </a:highlight>
-              <a:latin typeface="-apple-system"/>
-            </a:endParaRPr>
-          </a:p>
-          <a:p>
-            <a:r>
-              <a:rPr lang="en" altLang="zh-CN" b="1" i="0" dirty="0">
-                <a:effectLst/>
-                <a:highlight>
-                  <a:srgbClr val="FAFAFA"/>
-                </a:highlight>
-                <a:latin typeface="-apple-system"/>
-              </a:rPr>
-              <a:t>E</a:t>
-            </a:r>
-            <a:r>
-              <a:rPr lang="en" altLang="zh-CN" b="0" i="0" dirty="0">
-                <a:effectLst/>
-                <a:highlight>
-                  <a:srgbClr val="FAFAFA"/>
-                </a:highlight>
-                <a:latin typeface="-apple-system"/>
-              </a:rPr>
-              <a:t>: </a:t>
-            </a:r>
-            <a:r>
-              <a:rPr lang="en" altLang="zh-CN" b="0" i="0" dirty="0" err="1">
-                <a:effectLst/>
-                <a:highlight>
-                  <a:srgbClr val="FAFAFA"/>
-                </a:highlight>
-                <a:latin typeface="-apple-system"/>
-              </a:rPr>
-              <a:t>RotateRight</a:t>
+              <a:t>SliceObject</a:t>
             </a:r>
             <a:endParaRPr lang="en" altLang="zh-CN" b="0" i="0" dirty="0">
               <a:effectLst/>
